--- a/Unity/UTP_NGO.pptx
+++ b/Unity/UTP_NGO.pptx
@@ -7,6 +7,17 @@
   <p:sldIdLst>
     <p:sldId id="256" r:id="rId2"/>
     <p:sldId id="257" r:id="rId3"/>
+    <p:sldId id="260" r:id="rId4"/>
+    <p:sldId id="262" r:id="rId5"/>
+    <p:sldId id="263" r:id="rId6"/>
+    <p:sldId id="261" r:id="rId7"/>
+    <p:sldId id="264" r:id="rId8"/>
+    <p:sldId id="265" r:id="rId9"/>
+    <p:sldId id="266" r:id="rId10"/>
+    <p:sldId id="269" r:id="rId11"/>
+    <p:sldId id="267" r:id="rId12"/>
+    <p:sldId id="268" r:id="rId13"/>
+    <p:sldId id="270" r:id="rId14"/>
   </p:sldIdLst>
   <p:sldSz cx="12192000" cy="6858000"/>
   <p:notesSz cx="6858000" cy="9144000"/>
@@ -105,6 +116,11 @@
       </a:defRPr>
     </a:lvl9pPr>
   </p:defaultTextStyle>
+  <p:extLst>
+    <p:ext uri="{EFAFB233-063F-42B5-8137-9DF3F51BA10A}">
+      <p15:sldGuideLst xmlns:p15="http://schemas.microsoft.com/office/powerpoint/2012/main"/>
+    </p:ext>
+  </p:extLst>
 </p:presentation>
 </file>
 
@@ -336,7 +352,7 @@
           <a:p>
             <a:fld id="{5C1AE7F9-4589-40AC-80DE-4E598E0B0BBA}" type="datetimeFigureOut">
               <a:rPr lang="en-US" smtClean="0"/>
-              <a:t>10/4/2023</a:t>
+              <a:t>10/5/2023</a:t>
             </a:fld>
             <a:endParaRPr lang="en-US"/>
           </a:p>
@@ -544,7 +560,7 @@
           <a:p>
             <a:fld id="{5C1AE7F9-4589-40AC-80DE-4E598E0B0BBA}" type="datetimeFigureOut">
               <a:rPr lang="en-US" smtClean="0"/>
-              <a:t>10/4/2023</a:t>
+              <a:t>10/5/2023</a:t>
             </a:fld>
             <a:endParaRPr lang="en-US"/>
           </a:p>
@@ -802,7 +818,7 @@
           <a:p>
             <a:fld id="{5C1AE7F9-4589-40AC-80DE-4E598E0B0BBA}" type="datetimeFigureOut">
               <a:rPr lang="en-US" smtClean="0"/>
-              <a:t>10/4/2023</a:t>
+              <a:t>10/5/2023</a:t>
             </a:fld>
             <a:endParaRPr lang="en-US"/>
           </a:p>
@@ -972,7 +988,7 @@
           <a:p>
             <a:fld id="{5C1AE7F9-4589-40AC-80DE-4E598E0B0BBA}" type="datetimeFigureOut">
               <a:rPr lang="en-US" smtClean="0"/>
-              <a:t>10/4/2023</a:t>
+              <a:t>10/5/2023</a:t>
             </a:fld>
             <a:endParaRPr lang="en-US"/>
           </a:p>
@@ -1309,7 +1325,7 @@
           <a:p>
             <a:fld id="{5C1AE7F9-4589-40AC-80DE-4E598E0B0BBA}" type="datetimeFigureOut">
               <a:rPr lang="en-US" smtClean="0"/>
-              <a:t>10/4/2023</a:t>
+              <a:t>10/5/2023</a:t>
             </a:fld>
             <a:endParaRPr lang="en-US"/>
           </a:p>
@@ -1584,7 +1600,7 @@
           <a:p>
             <a:fld id="{5C1AE7F9-4589-40AC-80DE-4E598E0B0BBA}" type="datetimeFigureOut">
               <a:rPr lang="en-US" smtClean="0"/>
-              <a:t>10/4/2023</a:t>
+              <a:t>10/5/2023</a:t>
             </a:fld>
             <a:endParaRPr lang="en-US"/>
           </a:p>
@@ -1963,7 +1979,7 @@
           <a:p>
             <a:fld id="{5C1AE7F9-4589-40AC-80DE-4E598E0B0BBA}" type="datetimeFigureOut">
               <a:rPr lang="en-US" smtClean="0"/>
-              <a:t>10/4/2023</a:t>
+              <a:t>10/5/2023</a:t>
             </a:fld>
             <a:endParaRPr lang="en-US"/>
           </a:p>
@@ -2081,7 +2097,7 @@
           <a:p>
             <a:fld id="{5C1AE7F9-4589-40AC-80DE-4E598E0B0BBA}" type="datetimeFigureOut">
               <a:rPr lang="en-US" smtClean="0"/>
-              <a:t>10/4/2023</a:t>
+              <a:t>10/5/2023</a:t>
             </a:fld>
             <a:endParaRPr lang="en-US"/>
           </a:p>
@@ -2254,7 +2270,7 @@
           <a:p>
             <a:fld id="{5C1AE7F9-4589-40AC-80DE-4E598E0B0BBA}" type="datetimeFigureOut">
               <a:rPr lang="en-US" smtClean="0"/>
-              <a:t>10/4/2023</a:t>
+              <a:t>10/5/2023</a:t>
             </a:fld>
             <a:endParaRPr lang="en-US"/>
           </a:p>
@@ -2610,7 +2626,7 @@
           <a:p>
             <a:fld id="{5C1AE7F9-4589-40AC-80DE-4E598E0B0BBA}" type="datetimeFigureOut">
               <a:rPr lang="en-US" smtClean="0"/>
-              <a:t>10/4/2023</a:t>
+              <a:t>10/5/2023</a:t>
             </a:fld>
             <a:endParaRPr lang="en-US"/>
           </a:p>
@@ -2989,7 +3005,7 @@
           <a:p>
             <a:fld id="{5C1AE7F9-4589-40AC-80DE-4E598E0B0BBA}" type="datetimeFigureOut">
               <a:rPr lang="en-US" smtClean="0"/>
-              <a:t>10/4/2023</a:t>
+              <a:t>10/5/2023</a:t>
             </a:fld>
             <a:endParaRPr lang="en-US"/>
           </a:p>
@@ -3278,7 +3294,7 @@
           <a:p>
             <a:fld id="{5C1AE7F9-4589-40AC-80DE-4E598E0B0BBA}" type="datetimeFigureOut">
               <a:rPr lang="en-US" smtClean="0"/>
-              <a:t>10/4/2023</a:t>
+              <a:t>10/5/2023</a:t>
             </a:fld>
             <a:endParaRPr lang="en-US"/>
           </a:p>
@@ -3871,6 +3887,667 @@
 </p:sld>
 </file>
 
+<file path=ppt/slides/slide10.xml><?xml version="1.0" encoding="utf-8"?>
+<p:sld xmlns:a="http://schemas.openxmlformats.org/drawingml/2006/main" xmlns:r="http://schemas.openxmlformats.org/officeDocument/2006/relationships" xmlns:p="http://schemas.openxmlformats.org/presentationml/2006/main">
+  <p:cSld>
+    <p:spTree>
+      <p:nvGrpSpPr>
+        <p:cNvPr id="1" name=""/>
+        <p:cNvGrpSpPr/>
+        <p:nvPr/>
+      </p:nvGrpSpPr>
+      <p:grpSpPr>
+        <a:xfrm>
+          <a:off x="0" y="0"/>
+          <a:ext cx="0" cy="0"/>
+          <a:chOff x="0" y="0"/>
+          <a:chExt cx="0" cy="0"/>
+        </a:xfrm>
+      </p:grpSpPr>
+      <p:sp>
+        <p:nvSpPr>
+          <p:cNvPr id="2" name="Title 1">
+            <a:extLst>
+              <a:ext uri="{FF2B5EF4-FFF2-40B4-BE49-F238E27FC236}">
+                <a16:creationId xmlns:a16="http://schemas.microsoft.com/office/drawing/2014/main" id="{A21FEA1E-081C-91B1-4CB4-1D4BE28AA08D}"/>
+              </a:ext>
+            </a:extLst>
+          </p:cNvPr>
+          <p:cNvSpPr>
+            <a:spLocks noGrp="1"/>
+          </p:cNvSpPr>
+          <p:nvPr>
+            <p:ph type="title"/>
+          </p:nvPr>
+        </p:nvSpPr>
+        <p:spPr/>
+        <p:txBody>
+          <a:bodyPr/>
+          <a:lstStyle/>
+          <a:p>
+            <a:r>
+              <a:rPr lang="en-US" dirty="0"/>
+              <a:t>Connection Protocol</a:t>
+            </a:r>
+          </a:p>
+        </p:txBody>
+      </p:sp>
+      <p:sp>
+        <p:nvSpPr>
+          <p:cNvPr id="3" name="Content Placeholder 2">
+            <a:extLst>
+              <a:ext uri="{FF2B5EF4-FFF2-40B4-BE49-F238E27FC236}">
+                <a16:creationId xmlns:a16="http://schemas.microsoft.com/office/drawing/2014/main" id="{0291BC61-3E60-60F9-D8C6-1B4C67AE06D0}"/>
+              </a:ext>
+            </a:extLst>
+          </p:cNvPr>
+          <p:cNvSpPr>
+            <a:spLocks noGrp="1"/>
+          </p:cNvSpPr>
+          <p:nvPr>
+            <p:ph idx="1"/>
+          </p:nvPr>
+        </p:nvSpPr>
+        <p:spPr>
+          <a:xfrm>
+            <a:off x="1097280" y="1845734"/>
+            <a:ext cx="4189095" cy="4023360"/>
+          </a:xfrm>
+        </p:spPr>
+        <p:txBody>
+          <a:bodyPr/>
+          <a:lstStyle/>
+          <a:p>
+            <a:pPr>
+              <a:buFont typeface="Arial" panose="020B0604020202020204" pitchFamily="34" charset="0"/>
+              <a:buChar char="•"/>
+            </a:pPr>
+            <a:r>
+              <a:rPr lang="en-US" sz="1800" dirty="0"/>
+              <a:t> Starts with same 13 byte UTP connection</a:t>
+            </a:r>
+          </a:p>
+          <a:p>
+            <a:pPr>
+              <a:buFont typeface="Arial" panose="020B0604020202020204" pitchFamily="34" charset="0"/>
+              <a:buChar char="•"/>
+            </a:pPr>
+            <a:r>
+              <a:rPr lang="en-US" sz="1800" dirty="0"/>
+              <a:t> 9 byte keep-alive messages are sent</a:t>
+            </a:r>
+          </a:p>
+          <a:p>
+            <a:pPr>
+              <a:buFont typeface="Arial" panose="020B0604020202020204" pitchFamily="34" charset="0"/>
+              <a:buChar char="•"/>
+            </a:pPr>
+            <a:endParaRPr lang="en-US" dirty="0"/>
+          </a:p>
+        </p:txBody>
+      </p:sp>
+      <p:pic>
+        <p:nvPicPr>
+          <p:cNvPr id="8" name="Picture 7">
+            <a:extLst>
+              <a:ext uri="{FF2B5EF4-FFF2-40B4-BE49-F238E27FC236}">
+                <a16:creationId xmlns:a16="http://schemas.microsoft.com/office/drawing/2014/main" id="{5F1E1A01-16AB-130C-5150-AE895FA1BA48}"/>
+              </a:ext>
+            </a:extLst>
+          </p:cNvPr>
+          <p:cNvPicPr>
+            <a:picLocks noChangeAspect="1"/>
+          </p:cNvPicPr>
+          <p:nvPr/>
+        </p:nvPicPr>
+        <p:blipFill>
+          <a:blip r:embed="rId2"/>
+          <a:stretch>
+            <a:fillRect/>
+          </a:stretch>
+        </p:blipFill>
+        <p:spPr>
+          <a:xfrm>
+            <a:off x="6600471" y="1845734"/>
+            <a:ext cx="5068007" cy="2391109"/>
+          </a:xfrm>
+          <a:prstGeom prst="rect">
+            <a:avLst/>
+          </a:prstGeom>
+        </p:spPr>
+      </p:pic>
+      <p:pic>
+        <p:nvPicPr>
+          <p:cNvPr id="10" name="Picture 9">
+            <a:extLst>
+              <a:ext uri="{FF2B5EF4-FFF2-40B4-BE49-F238E27FC236}">
+                <a16:creationId xmlns:a16="http://schemas.microsoft.com/office/drawing/2014/main" id="{3AFB7DF6-6892-C866-4676-C3D791A1D26F}"/>
+              </a:ext>
+            </a:extLst>
+          </p:cNvPr>
+          <p:cNvPicPr>
+            <a:picLocks noChangeAspect="1"/>
+          </p:cNvPicPr>
+          <p:nvPr/>
+        </p:nvPicPr>
+        <p:blipFill>
+          <a:blip r:embed="rId3"/>
+          <a:stretch>
+            <a:fillRect/>
+          </a:stretch>
+        </p:blipFill>
+        <p:spPr>
+          <a:xfrm>
+            <a:off x="6592568" y="4686264"/>
+            <a:ext cx="4563112" cy="514422"/>
+          </a:xfrm>
+          <a:prstGeom prst="rect">
+            <a:avLst/>
+          </a:prstGeom>
+        </p:spPr>
+      </p:pic>
+    </p:spTree>
+    <p:extLst>
+      <p:ext uri="{BB962C8B-B14F-4D97-AF65-F5344CB8AC3E}">
+        <p14:creationId xmlns:p14="http://schemas.microsoft.com/office/powerpoint/2010/main" val="3067169598"/>
+      </p:ext>
+    </p:extLst>
+  </p:cSld>
+  <p:clrMapOvr>
+    <a:masterClrMapping/>
+  </p:clrMapOvr>
+</p:sld>
+</file>
+
+<file path=ppt/slides/slide11.xml><?xml version="1.0" encoding="utf-8"?>
+<p:sld xmlns:a="http://schemas.openxmlformats.org/drawingml/2006/main" xmlns:r="http://schemas.openxmlformats.org/officeDocument/2006/relationships" xmlns:p="http://schemas.openxmlformats.org/presentationml/2006/main">
+  <p:cSld>
+    <p:spTree>
+      <p:nvGrpSpPr>
+        <p:cNvPr id="1" name=""/>
+        <p:cNvGrpSpPr/>
+        <p:nvPr/>
+      </p:nvGrpSpPr>
+      <p:grpSpPr>
+        <a:xfrm>
+          <a:off x="0" y="0"/>
+          <a:ext cx="0" cy="0"/>
+          <a:chOff x="0" y="0"/>
+          <a:chExt cx="0" cy="0"/>
+        </a:xfrm>
+      </p:grpSpPr>
+      <p:sp>
+        <p:nvSpPr>
+          <p:cNvPr id="2" name="Title 1">
+            <a:extLst>
+              <a:ext uri="{FF2B5EF4-FFF2-40B4-BE49-F238E27FC236}">
+                <a16:creationId xmlns:a16="http://schemas.microsoft.com/office/drawing/2014/main" id="{A21FEA1E-081C-91B1-4CB4-1D4BE28AA08D}"/>
+              </a:ext>
+            </a:extLst>
+          </p:cNvPr>
+          <p:cNvSpPr>
+            <a:spLocks noGrp="1"/>
+          </p:cNvSpPr>
+          <p:nvPr>
+            <p:ph type="title"/>
+          </p:nvPr>
+        </p:nvSpPr>
+        <p:spPr/>
+        <p:txBody>
+          <a:bodyPr/>
+          <a:lstStyle/>
+          <a:p>
+            <a:r>
+              <a:rPr lang="en-US" dirty="0"/>
+              <a:t>Remote Procedure Calls (RPC)</a:t>
+            </a:r>
+          </a:p>
+        </p:txBody>
+      </p:sp>
+      <p:sp>
+        <p:nvSpPr>
+          <p:cNvPr id="3" name="Content Placeholder 2">
+            <a:extLst>
+              <a:ext uri="{FF2B5EF4-FFF2-40B4-BE49-F238E27FC236}">
+                <a16:creationId xmlns:a16="http://schemas.microsoft.com/office/drawing/2014/main" id="{0291BC61-3E60-60F9-D8C6-1B4C67AE06D0}"/>
+              </a:ext>
+            </a:extLst>
+          </p:cNvPr>
+          <p:cNvSpPr>
+            <a:spLocks noGrp="1"/>
+          </p:cNvSpPr>
+          <p:nvPr>
+            <p:ph idx="1"/>
+          </p:nvPr>
+        </p:nvSpPr>
+        <p:spPr/>
+        <p:txBody>
+          <a:bodyPr/>
+          <a:lstStyle/>
+          <a:p>
+            <a:pPr>
+              <a:buFont typeface="Arial" panose="020B0604020202020204" pitchFamily="34" charset="0"/>
+              <a:buChar char="•"/>
+            </a:pPr>
+            <a:r>
+              <a:rPr lang="en-US" dirty="0"/>
+              <a:t> Abstraction to run a method on another process</a:t>
+            </a:r>
+          </a:p>
+          <a:p>
+            <a:pPr>
+              <a:buFont typeface="Arial" panose="020B0604020202020204" pitchFamily="34" charset="0"/>
+              <a:buChar char="•"/>
+            </a:pPr>
+            <a:r>
+              <a:rPr lang="en-US" dirty="0"/>
+              <a:t> </a:t>
+            </a:r>
+            <a:r>
+              <a:rPr lang="en-US" dirty="0" err="1"/>
+              <a:t>ClientRpc</a:t>
+            </a:r>
+            <a:endParaRPr lang="en-US" dirty="0"/>
+          </a:p>
+          <a:p>
+            <a:pPr lvl="1">
+              <a:buFont typeface="Arial" panose="020B0604020202020204" pitchFamily="34" charset="0"/>
+              <a:buChar char="•"/>
+            </a:pPr>
+            <a:r>
+              <a:rPr lang="en-US" dirty="0"/>
+              <a:t>The server instructs one or more clients to run the method</a:t>
+            </a:r>
+          </a:p>
+          <a:p>
+            <a:pPr>
+              <a:buFont typeface="Arial" panose="020B0604020202020204" pitchFamily="34" charset="0"/>
+              <a:buChar char="•"/>
+            </a:pPr>
+            <a:r>
+              <a:rPr lang="en-US" dirty="0"/>
+              <a:t> </a:t>
+            </a:r>
+            <a:r>
+              <a:rPr lang="en-US" dirty="0" err="1"/>
+              <a:t>ServerRpc</a:t>
+            </a:r>
+            <a:endParaRPr lang="en-US" dirty="0"/>
+          </a:p>
+          <a:p>
+            <a:pPr lvl="1">
+              <a:buFont typeface="Arial" panose="020B0604020202020204" pitchFamily="34" charset="0"/>
+              <a:buChar char="•"/>
+            </a:pPr>
+            <a:r>
+              <a:rPr lang="en-US" dirty="0"/>
+              <a:t>A client instructs the server to run the method</a:t>
+            </a:r>
+          </a:p>
+          <a:p>
+            <a:pPr lvl="1">
+              <a:buFont typeface="Arial" panose="020B0604020202020204" pitchFamily="34" charset="0"/>
+              <a:buChar char="•"/>
+            </a:pPr>
+            <a:r>
+              <a:rPr lang="en-US" dirty="0"/>
+              <a:t>Should always be validated on the server</a:t>
+            </a:r>
+          </a:p>
+          <a:p>
+            <a:pPr>
+              <a:buFont typeface="Arial" panose="020B0604020202020204" pitchFamily="34" charset="0"/>
+              <a:buChar char="•"/>
+            </a:pPr>
+            <a:r>
+              <a:rPr lang="en-US" dirty="0"/>
+              <a:t> Uses the </a:t>
+            </a:r>
+            <a:r>
+              <a:rPr lang="en-US" dirty="0" err="1"/>
+              <a:t>ReliablePipelineStage</a:t>
+            </a:r>
+            <a:endParaRPr lang="en-US" dirty="0"/>
+          </a:p>
+          <a:p>
+            <a:pPr>
+              <a:buFont typeface="Arial" panose="020B0604020202020204" pitchFamily="34" charset="0"/>
+              <a:buChar char="•"/>
+            </a:pPr>
+            <a:endParaRPr lang="en-US" dirty="0"/>
+          </a:p>
+        </p:txBody>
+      </p:sp>
+      <p:pic>
+        <p:nvPicPr>
+          <p:cNvPr id="3074" name="Picture 2">
+            <a:extLst>
+              <a:ext uri="{FF2B5EF4-FFF2-40B4-BE49-F238E27FC236}">
+                <a16:creationId xmlns:a16="http://schemas.microsoft.com/office/drawing/2014/main" id="{CDD44E56-CA38-490A-36C1-CEF3E83ABA33}"/>
+              </a:ext>
+            </a:extLst>
+          </p:cNvPr>
+          <p:cNvPicPr>
+            <a:picLocks noChangeAspect="1" noChangeArrowheads="1"/>
+          </p:cNvPicPr>
+          <p:nvPr/>
+        </p:nvPicPr>
+        <p:blipFill>
+          <a:blip r:embed="rId2">
+            <a:extLst>
+              <a:ext uri="{28A0092B-C50C-407E-A947-70E740481C1C}">
+                <a14:useLocalDpi xmlns:a14="http://schemas.microsoft.com/office/drawing/2010/main" val="0"/>
+              </a:ext>
+            </a:extLst>
+          </a:blip>
+          <a:srcRect/>
+          <a:stretch>
+            <a:fillRect/>
+          </a:stretch>
+        </p:blipFill>
+        <p:spPr bwMode="auto">
+          <a:xfrm>
+            <a:off x="6581775" y="2985280"/>
+            <a:ext cx="5257800" cy="2992188"/>
+          </a:xfrm>
+          <a:prstGeom prst="rect">
+            <a:avLst/>
+          </a:prstGeom>
+          <a:noFill/>
+          <a:extLst>
+            <a:ext uri="{909E8E84-426E-40DD-AFC4-6F175D3DCCD1}">
+              <a14:hiddenFill xmlns:a14="http://schemas.microsoft.com/office/drawing/2010/main">
+                <a:solidFill>
+                  <a:srgbClr val="FFFFFF"/>
+                </a:solidFill>
+              </a14:hiddenFill>
+            </a:ext>
+          </a:extLst>
+        </p:spPr>
+      </p:pic>
+    </p:spTree>
+    <p:extLst>
+      <p:ext uri="{BB962C8B-B14F-4D97-AF65-F5344CB8AC3E}">
+        <p14:creationId xmlns:p14="http://schemas.microsoft.com/office/powerpoint/2010/main" val="2226274348"/>
+      </p:ext>
+    </p:extLst>
+  </p:cSld>
+  <p:clrMapOvr>
+    <a:masterClrMapping/>
+  </p:clrMapOvr>
+</p:sld>
+</file>
+
+<file path=ppt/slides/slide12.xml><?xml version="1.0" encoding="utf-8"?>
+<p:sld xmlns:a="http://schemas.openxmlformats.org/drawingml/2006/main" xmlns:r="http://schemas.openxmlformats.org/officeDocument/2006/relationships" xmlns:p="http://schemas.openxmlformats.org/presentationml/2006/main">
+  <p:cSld>
+    <p:spTree>
+      <p:nvGrpSpPr>
+        <p:cNvPr id="1" name=""/>
+        <p:cNvGrpSpPr/>
+        <p:nvPr/>
+      </p:nvGrpSpPr>
+      <p:grpSpPr>
+        <a:xfrm>
+          <a:off x="0" y="0"/>
+          <a:ext cx="0" cy="0"/>
+          <a:chOff x="0" y="0"/>
+          <a:chExt cx="0" cy="0"/>
+        </a:xfrm>
+      </p:grpSpPr>
+      <p:sp>
+        <p:nvSpPr>
+          <p:cNvPr id="2" name="Title 1">
+            <a:extLst>
+              <a:ext uri="{FF2B5EF4-FFF2-40B4-BE49-F238E27FC236}">
+                <a16:creationId xmlns:a16="http://schemas.microsoft.com/office/drawing/2014/main" id="{A21FEA1E-081C-91B1-4CB4-1D4BE28AA08D}"/>
+              </a:ext>
+            </a:extLst>
+          </p:cNvPr>
+          <p:cNvSpPr>
+            <a:spLocks noGrp="1"/>
+          </p:cNvSpPr>
+          <p:nvPr>
+            <p:ph type="title"/>
+          </p:nvPr>
+        </p:nvSpPr>
+        <p:spPr/>
+        <p:txBody>
+          <a:bodyPr/>
+          <a:lstStyle/>
+          <a:p>
+            <a:r>
+              <a:rPr lang="en-US" dirty="0"/>
+              <a:t>Remote Procedure Calls (RPC)</a:t>
+            </a:r>
+          </a:p>
+        </p:txBody>
+      </p:sp>
+      <p:sp>
+        <p:nvSpPr>
+          <p:cNvPr id="3" name="Content Placeholder 2">
+            <a:extLst>
+              <a:ext uri="{FF2B5EF4-FFF2-40B4-BE49-F238E27FC236}">
+                <a16:creationId xmlns:a16="http://schemas.microsoft.com/office/drawing/2014/main" id="{0291BC61-3E60-60F9-D8C6-1B4C67AE06D0}"/>
+              </a:ext>
+            </a:extLst>
+          </p:cNvPr>
+          <p:cNvSpPr>
+            <a:spLocks noGrp="1"/>
+          </p:cNvSpPr>
+          <p:nvPr>
+            <p:ph idx="1"/>
+          </p:nvPr>
+        </p:nvSpPr>
+        <p:spPr>
+          <a:xfrm>
+            <a:off x="1097280" y="1845734"/>
+            <a:ext cx="6170295" cy="4023360"/>
+          </a:xfrm>
+        </p:spPr>
+        <p:txBody>
+          <a:bodyPr/>
+          <a:lstStyle/>
+          <a:p>
+            <a:pPr>
+              <a:buFont typeface="Arial" panose="020B0604020202020204" pitchFamily="34" charset="0"/>
+              <a:buChar char="•"/>
+            </a:pPr>
+            <a:r>
+              <a:rPr lang="en-US" dirty="0"/>
+              <a:t> RPCs work by injecting code into the start of the method</a:t>
+            </a:r>
+          </a:p>
+          <a:p>
+            <a:pPr>
+              <a:buFont typeface="Arial" panose="020B0604020202020204" pitchFamily="34" charset="0"/>
+              <a:buChar char="•"/>
+            </a:pPr>
+            <a:r>
+              <a:rPr lang="en-US" dirty="0"/>
+              <a:t> A message is sent to receivers with a signature hash and parameters</a:t>
+            </a:r>
+          </a:p>
+          <a:p>
+            <a:pPr>
+              <a:buFont typeface="Arial" panose="020B0604020202020204" pitchFamily="34" charset="0"/>
+              <a:buChar char="•"/>
+            </a:pPr>
+            <a:r>
+              <a:rPr lang="en-US" dirty="0"/>
+              <a:t> The called method returns if it does not need to run in this process</a:t>
+            </a:r>
+          </a:p>
+        </p:txBody>
+      </p:sp>
+      <p:pic>
+        <p:nvPicPr>
+          <p:cNvPr id="9" name="Picture 8">
+            <a:extLst>
+              <a:ext uri="{FF2B5EF4-FFF2-40B4-BE49-F238E27FC236}">
+                <a16:creationId xmlns:a16="http://schemas.microsoft.com/office/drawing/2014/main" id="{9593BA92-8987-61FD-97BF-30DF0BB8EB13}"/>
+              </a:ext>
+            </a:extLst>
+          </p:cNvPr>
+          <p:cNvPicPr>
+            <a:picLocks noChangeAspect="1"/>
+          </p:cNvPicPr>
+          <p:nvPr/>
+        </p:nvPicPr>
+        <p:blipFill>
+          <a:blip r:embed="rId2"/>
+          <a:stretch>
+            <a:fillRect/>
+          </a:stretch>
+        </p:blipFill>
+        <p:spPr>
+          <a:xfrm>
+            <a:off x="7462465" y="1964055"/>
+            <a:ext cx="4493047" cy="4196715"/>
+          </a:xfrm>
+          <a:prstGeom prst="rect">
+            <a:avLst/>
+          </a:prstGeom>
+        </p:spPr>
+      </p:pic>
+    </p:spTree>
+    <p:extLst>
+      <p:ext uri="{BB962C8B-B14F-4D97-AF65-F5344CB8AC3E}">
+        <p14:creationId xmlns:p14="http://schemas.microsoft.com/office/powerpoint/2010/main" val="1944203799"/>
+      </p:ext>
+    </p:extLst>
+  </p:cSld>
+  <p:clrMapOvr>
+    <a:masterClrMapping/>
+  </p:clrMapOvr>
+</p:sld>
+</file>
+
+<file path=ppt/slides/slide13.xml><?xml version="1.0" encoding="utf-8"?>
+<p:sld xmlns:a="http://schemas.openxmlformats.org/drawingml/2006/main" xmlns:r="http://schemas.openxmlformats.org/officeDocument/2006/relationships" xmlns:p="http://schemas.openxmlformats.org/presentationml/2006/main">
+  <p:cSld>
+    <p:spTree>
+      <p:nvGrpSpPr>
+        <p:cNvPr id="1" name=""/>
+        <p:cNvGrpSpPr/>
+        <p:nvPr/>
+      </p:nvGrpSpPr>
+      <p:grpSpPr>
+        <a:xfrm>
+          <a:off x="0" y="0"/>
+          <a:ext cx="0" cy="0"/>
+          <a:chOff x="0" y="0"/>
+          <a:chExt cx="0" cy="0"/>
+        </a:xfrm>
+      </p:grpSpPr>
+      <p:sp>
+        <p:nvSpPr>
+          <p:cNvPr id="2" name="Title 1">
+            <a:extLst>
+              <a:ext uri="{FF2B5EF4-FFF2-40B4-BE49-F238E27FC236}">
+                <a16:creationId xmlns:a16="http://schemas.microsoft.com/office/drawing/2014/main" id="{A21FEA1E-081C-91B1-4CB4-1D4BE28AA08D}"/>
+              </a:ext>
+            </a:extLst>
+          </p:cNvPr>
+          <p:cNvSpPr>
+            <a:spLocks noGrp="1"/>
+          </p:cNvSpPr>
+          <p:nvPr>
+            <p:ph type="title"/>
+          </p:nvPr>
+        </p:nvSpPr>
+        <p:spPr/>
+        <p:txBody>
+          <a:bodyPr/>
+          <a:lstStyle/>
+          <a:p>
+            <a:r>
+              <a:rPr lang="en-US" dirty="0"/>
+              <a:t>RPC Protocol</a:t>
+            </a:r>
+          </a:p>
+        </p:txBody>
+      </p:sp>
+      <p:sp>
+        <p:nvSpPr>
+          <p:cNvPr id="13" name="Content Placeholder 2">
+            <a:extLst>
+              <a:ext uri="{FF2B5EF4-FFF2-40B4-BE49-F238E27FC236}">
+                <a16:creationId xmlns:a16="http://schemas.microsoft.com/office/drawing/2014/main" id="{7CE35476-3F51-6F06-2940-7C66D85AA2BB}"/>
+              </a:ext>
+            </a:extLst>
+          </p:cNvPr>
+          <p:cNvSpPr>
+            <a:spLocks noGrp="1"/>
+          </p:cNvSpPr>
+          <p:nvPr>
+            <p:ph idx="1"/>
+          </p:nvPr>
+        </p:nvSpPr>
+        <p:spPr>
+          <a:xfrm>
+            <a:off x="1097281" y="1845734"/>
+            <a:ext cx="3912870" cy="4023360"/>
+          </a:xfrm>
+        </p:spPr>
+        <p:txBody>
+          <a:bodyPr/>
+          <a:lstStyle/>
+          <a:p>
+            <a:pPr>
+              <a:buFont typeface="Arial" panose="020B0604020202020204" pitchFamily="34" charset="0"/>
+              <a:buChar char="•"/>
+            </a:pPr>
+            <a:r>
+              <a:rPr lang="en-US" dirty="0"/>
+              <a:t> A packet is sent, followed by an ACK</a:t>
+            </a:r>
+          </a:p>
+        </p:txBody>
+      </p:sp>
+      <p:pic>
+        <p:nvPicPr>
+          <p:cNvPr id="15" name="Picture 14">
+            <a:extLst>
+              <a:ext uri="{FF2B5EF4-FFF2-40B4-BE49-F238E27FC236}">
+                <a16:creationId xmlns:a16="http://schemas.microsoft.com/office/drawing/2014/main" id="{AD100E73-42E5-2EB6-6304-53845BC6079A}"/>
+              </a:ext>
+            </a:extLst>
+          </p:cNvPr>
+          <p:cNvPicPr>
+            <a:picLocks noChangeAspect="1"/>
+          </p:cNvPicPr>
+          <p:nvPr/>
+        </p:nvPicPr>
+        <p:blipFill>
+          <a:blip r:embed="rId2"/>
+          <a:stretch>
+            <a:fillRect/>
+          </a:stretch>
+        </p:blipFill>
+        <p:spPr>
+          <a:xfrm>
+            <a:off x="5091265" y="2011152"/>
+            <a:ext cx="6825230" cy="4023360"/>
+          </a:xfrm>
+          <a:prstGeom prst="rect">
+            <a:avLst/>
+          </a:prstGeom>
+        </p:spPr>
+      </p:pic>
+    </p:spTree>
+    <p:extLst>
+      <p:ext uri="{BB962C8B-B14F-4D97-AF65-F5344CB8AC3E}">
+        <p14:creationId xmlns:p14="http://schemas.microsoft.com/office/powerpoint/2010/main" val="3835386020"/>
+      </p:ext>
+    </p:extLst>
+  </p:cSld>
+  <p:clrMapOvr>
+    <a:masterClrMapping/>
+  </p:clrMapOvr>
+</p:sld>
+</file>
+
 <file path=ppt/slides/slide2.xml><?xml version="1.0" encoding="utf-8"?>
 <p:sld xmlns:a="http://schemas.openxmlformats.org/drawingml/2006/main" xmlns:r="http://schemas.openxmlformats.org/officeDocument/2006/relationships" xmlns:p="http://schemas.openxmlformats.org/presentationml/2006/main">
   <p:cSld>
@@ -3911,7 +4588,7 @@
           <a:p>
             <a:r>
               <a:rPr lang="en-US" dirty="0"/>
-              <a:t>UTP</a:t>
+              <a:t>UTP (Unity Transport)</a:t>
             </a:r>
           </a:p>
         </p:txBody>
@@ -3937,20 +4614,74 @@
           <a:bodyPr/>
           <a:lstStyle/>
           <a:p>
+            <a:pPr>
+              <a:buFont typeface="Arial" panose="020B0604020202020204" pitchFamily="34" charset="0"/>
+              <a:buChar char="•"/>
+            </a:pPr>
             <a:r>
               <a:rPr lang="en-US" dirty="0"/>
-              <a:t>Unity Transport Package</a:t>
-            </a:r>
-          </a:p>
-          <a:p>
-            <a:pPr marL="0" indent="0">
-              <a:buNone/>
+              <a:t> An abstraction over both UDP and </a:t>
+            </a:r>
+            <a:r>
+              <a:rPr lang="en-US" dirty="0" err="1"/>
+              <a:t>WebSockets</a:t>
+            </a:r>
+            <a:endParaRPr lang="en-US" dirty="0"/>
+          </a:p>
+          <a:p>
+            <a:pPr>
+              <a:buFont typeface="Arial" panose="020B0604020202020204" pitchFamily="34" charset="0"/>
+              <a:buChar char="•"/>
             </a:pPr>
-            <a:endParaRPr lang="en-US" dirty="0"/>
-          </a:p>
-          <a:p>
-            <a:pPr marL="0" indent="0">
-              <a:buNone/>
+            <a:r>
+              <a:rPr lang="en-US" dirty="0"/>
+              <a:t> Adds some simple networking functionality:</a:t>
+            </a:r>
+          </a:p>
+          <a:p>
+            <a:pPr lvl="1">
+              <a:buFont typeface="Arial" panose="020B0604020202020204" pitchFamily="34" charset="0"/>
+              <a:buChar char="•"/>
+            </a:pPr>
+            <a:r>
+              <a:rPr lang="en-US" dirty="0"/>
+              <a:t>Connections over UDP</a:t>
+            </a:r>
+          </a:p>
+          <a:p>
+            <a:pPr lvl="1">
+              <a:buFont typeface="Arial" panose="020B0604020202020204" pitchFamily="34" charset="0"/>
+              <a:buChar char="•"/>
+            </a:pPr>
+            <a:r>
+              <a:rPr lang="en-US" dirty="0"/>
+              <a:t>Message fragmentation</a:t>
+            </a:r>
+          </a:p>
+          <a:p>
+            <a:pPr lvl="1">
+              <a:buFont typeface="Arial" panose="020B0604020202020204" pitchFamily="34" charset="0"/>
+              <a:buChar char="•"/>
+            </a:pPr>
+            <a:r>
+              <a:rPr lang="en-US" dirty="0"/>
+              <a:t>Packet reliability</a:t>
+            </a:r>
+          </a:p>
+          <a:p>
+            <a:pPr lvl="1">
+              <a:buFont typeface="Arial" panose="020B0604020202020204" pitchFamily="34" charset="0"/>
+              <a:buChar char="•"/>
+            </a:pPr>
+            <a:r>
+              <a:rPr lang="en-US" dirty="0"/>
+              <a:t>Packet encryption</a:t>
+            </a:r>
+          </a:p>
+          <a:p>
+            <a:pPr>
+              <a:buFont typeface="Arial" panose="020B0604020202020204" pitchFamily="34" charset="0"/>
+              <a:buChar char="•"/>
             </a:pPr>
             <a:endParaRPr lang="en-US" dirty="0"/>
           </a:p>
@@ -3960,6 +4691,1124 @@
     <p:extLst>
       <p:ext uri="{BB962C8B-B14F-4D97-AF65-F5344CB8AC3E}">
         <p14:creationId xmlns:p14="http://schemas.microsoft.com/office/powerpoint/2010/main" val="87579990"/>
+      </p:ext>
+    </p:extLst>
+  </p:cSld>
+  <p:clrMapOvr>
+    <a:masterClrMapping/>
+  </p:clrMapOvr>
+</p:sld>
+</file>
+
+<file path=ppt/slides/slide3.xml><?xml version="1.0" encoding="utf-8"?>
+<p:sld xmlns:a="http://schemas.openxmlformats.org/drawingml/2006/main" xmlns:r="http://schemas.openxmlformats.org/officeDocument/2006/relationships" xmlns:p="http://schemas.openxmlformats.org/presentationml/2006/main">
+  <p:cSld>
+    <p:spTree>
+      <p:nvGrpSpPr>
+        <p:cNvPr id="1" name=""/>
+        <p:cNvGrpSpPr/>
+        <p:nvPr/>
+      </p:nvGrpSpPr>
+      <p:grpSpPr>
+        <a:xfrm>
+          <a:off x="0" y="0"/>
+          <a:ext cx="0" cy="0"/>
+          <a:chOff x="0" y="0"/>
+          <a:chExt cx="0" cy="0"/>
+        </a:xfrm>
+      </p:grpSpPr>
+      <p:sp>
+        <p:nvSpPr>
+          <p:cNvPr id="2" name="Title 1">
+            <a:extLst>
+              <a:ext uri="{FF2B5EF4-FFF2-40B4-BE49-F238E27FC236}">
+                <a16:creationId xmlns:a16="http://schemas.microsoft.com/office/drawing/2014/main" id="{A21FEA1E-081C-91B1-4CB4-1D4BE28AA08D}"/>
+              </a:ext>
+            </a:extLst>
+          </p:cNvPr>
+          <p:cNvSpPr>
+            <a:spLocks noGrp="1"/>
+          </p:cNvSpPr>
+          <p:nvPr>
+            <p:ph type="title"/>
+          </p:nvPr>
+        </p:nvSpPr>
+        <p:spPr/>
+        <p:txBody>
+          <a:bodyPr/>
+          <a:lstStyle/>
+          <a:p>
+            <a:r>
+              <a:rPr lang="en-US" dirty="0"/>
+              <a:t>Connection Protocol</a:t>
+            </a:r>
+          </a:p>
+        </p:txBody>
+      </p:sp>
+      <p:sp>
+        <p:nvSpPr>
+          <p:cNvPr id="3" name="Content Placeholder 2">
+            <a:extLst>
+              <a:ext uri="{FF2B5EF4-FFF2-40B4-BE49-F238E27FC236}">
+                <a16:creationId xmlns:a16="http://schemas.microsoft.com/office/drawing/2014/main" id="{0291BC61-3E60-60F9-D8C6-1B4C67AE06D0}"/>
+              </a:ext>
+            </a:extLst>
+          </p:cNvPr>
+          <p:cNvSpPr>
+            <a:spLocks noGrp="1"/>
+          </p:cNvSpPr>
+          <p:nvPr>
+            <p:ph idx="1"/>
+          </p:nvPr>
+        </p:nvSpPr>
+        <p:spPr/>
+        <p:txBody>
+          <a:bodyPr/>
+          <a:lstStyle/>
+          <a:p>
+            <a:pPr marL="457200" indent="-457200">
+              <a:buFont typeface="+mj-lt"/>
+              <a:buAutoNum type="arabicPeriod"/>
+            </a:pPr>
+            <a:r>
+              <a:rPr lang="en-US" dirty="0"/>
+              <a:t>Client sends connect message</a:t>
+            </a:r>
+          </a:p>
+          <a:p>
+            <a:pPr marL="457200" indent="-457200">
+              <a:buFont typeface="+mj-lt"/>
+              <a:buAutoNum type="arabicPeriod"/>
+            </a:pPr>
+            <a:r>
+              <a:rPr lang="en-US" dirty="0"/>
+              <a:t>Server sends accept message</a:t>
+            </a:r>
+          </a:p>
+          <a:p>
+            <a:pPr marL="457200" indent="-457200">
+              <a:buFont typeface="+mj-lt"/>
+              <a:buAutoNum type="arabicPeriod"/>
+            </a:pPr>
+            <a:r>
+              <a:rPr lang="en-US" dirty="0"/>
+              <a:t>Client can send disconnect message when done</a:t>
+            </a:r>
+          </a:p>
+        </p:txBody>
+      </p:sp>
+      <p:pic>
+        <p:nvPicPr>
+          <p:cNvPr id="5" name="Picture 4" descr="Diagram of client server connection">
+            <a:extLst>
+              <a:ext uri="{FF2B5EF4-FFF2-40B4-BE49-F238E27FC236}">
+                <a16:creationId xmlns:a16="http://schemas.microsoft.com/office/drawing/2014/main" id="{912D2C72-FFF9-FB8E-6714-2BBF8D3503A9}"/>
+              </a:ext>
+            </a:extLst>
+          </p:cNvPr>
+          <p:cNvPicPr>
+            <a:picLocks noChangeAspect="1"/>
+          </p:cNvPicPr>
+          <p:nvPr/>
+        </p:nvPicPr>
+        <p:blipFill>
+          <a:blip r:embed="rId2">
+            <a:extLst>
+              <a:ext uri="{28A0092B-C50C-407E-A947-70E740481C1C}">
+                <a14:useLocalDpi xmlns:a14="http://schemas.microsoft.com/office/drawing/2010/main" val="0"/>
+              </a:ext>
+            </a:extLst>
+          </a:blip>
+          <a:stretch>
+            <a:fillRect/>
+          </a:stretch>
+        </p:blipFill>
+        <p:spPr>
+          <a:xfrm>
+            <a:off x="8264433" y="529028"/>
+            <a:ext cx="3439886" cy="3683850"/>
+          </a:xfrm>
+          <a:prstGeom prst="rect">
+            <a:avLst/>
+          </a:prstGeom>
+        </p:spPr>
+      </p:pic>
+      <p:pic>
+        <p:nvPicPr>
+          <p:cNvPr id="8" name="Picture 7" descr="List of packets caught in Wireshark">
+            <a:extLst>
+              <a:ext uri="{FF2B5EF4-FFF2-40B4-BE49-F238E27FC236}">
+                <a16:creationId xmlns:a16="http://schemas.microsoft.com/office/drawing/2014/main" id="{0335C1B8-1766-F62A-0119-6A4E40144BD7}"/>
+              </a:ext>
+            </a:extLst>
+          </p:cNvPr>
+          <p:cNvPicPr>
+            <a:picLocks noChangeAspect="1"/>
+          </p:cNvPicPr>
+          <p:nvPr/>
+        </p:nvPicPr>
+        <p:blipFill rotWithShape="1">
+          <a:blip r:embed="rId3">
+            <a:extLst>
+              <a:ext uri="{28A0092B-C50C-407E-A947-70E740481C1C}">
+                <a14:useLocalDpi xmlns:a14="http://schemas.microsoft.com/office/drawing/2010/main" val="0"/>
+              </a:ext>
+            </a:extLst>
+          </a:blip>
+          <a:srcRect r="20305"/>
+          <a:stretch/>
+        </p:blipFill>
+        <p:spPr>
+          <a:xfrm>
+            <a:off x="444138" y="4425035"/>
+            <a:ext cx="8900160" cy="1391212"/>
+          </a:xfrm>
+          <a:prstGeom prst="rect">
+            <a:avLst/>
+          </a:prstGeom>
+        </p:spPr>
+      </p:pic>
+    </p:spTree>
+    <p:extLst>
+      <p:ext uri="{BB962C8B-B14F-4D97-AF65-F5344CB8AC3E}">
+        <p14:creationId xmlns:p14="http://schemas.microsoft.com/office/powerpoint/2010/main" val="1957452187"/>
+      </p:ext>
+    </p:extLst>
+  </p:cSld>
+  <p:clrMapOvr>
+    <a:masterClrMapping/>
+  </p:clrMapOvr>
+</p:sld>
+</file>
+
+<file path=ppt/slides/slide4.xml><?xml version="1.0" encoding="utf-8"?>
+<p:sld xmlns:a="http://schemas.openxmlformats.org/drawingml/2006/main" xmlns:r="http://schemas.openxmlformats.org/officeDocument/2006/relationships" xmlns:p="http://schemas.openxmlformats.org/presentationml/2006/main">
+  <p:cSld>
+    <p:spTree>
+      <p:nvGrpSpPr>
+        <p:cNvPr id="1" name=""/>
+        <p:cNvGrpSpPr/>
+        <p:nvPr/>
+      </p:nvGrpSpPr>
+      <p:grpSpPr>
+        <a:xfrm>
+          <a:off x="0" y="0"/>
+          <a:ext cx="0" cy="0"/>
+          <a:chOff x="0" y="0"/>
+          <a:chExt cx="0" cy="0"/>
+        </a:xfrm>
+      </p:grpSpPr>
+      <p:pic>
+        <p:nvPicPr>
+          <p:cNvPr id="4" name="Picture 3" descr="List of packets caught in Wireshark">
+            <a:extLst>
+              <a:ext uri="{FF2B5EF4-FFF2-40B4-BE49-F238E27FC236}">
+                <a16:creationId xmlns:a16="http://schemas.microsoft.com/office/drawing/2014/main" id="{CBCA1F81-064B-5C23-AA44-1A596EF5AA3C}"/>
+              </a:ext>
+            </a:extLst>
+          </p:cNvPr>
+          <p:cNvPicPr>
+            <a:picLocks noChangeAspect="1"/>
+          </p:cNvPicPr>
+          <p:nvPr/>
+        </p:nvPicPr>
+        <p:blipFill rotWithShape="1">
+          <a:blip r:embed="rId2">
+            <a:extLst>
+              <a:ext uri="{28A0092B-C50C-407E-A947-70E740481C1C}">
+                <a14:useLocalDpi xmlns:a14="http://schemas.microsoft.com/office/drawing/2010/main" val="0"/>
+              </a:ext>
+            </a:extLst>
+          </a:blip>
+          <a:srcRect r="39690"/>
+          <a:stretch/>
+        </p:blipFill>
+        <p:spPr>
+          <a:xfrm>
+            <a:off x="289271" y="1528227"/>
+            <a:ext cx="11605727" cy="2397228"/>
+          </a:xfrm>
+          <a:prstGeom prst="rect">
+            <a:avLst/>
+          </a:prstGeom>
+        </p:spPr>
+      </p:pic>
+    </p:spTree>
+    <p:extLst>
+      <p:ext uri="{BB962C8B-B14F-4D97-AF65-F5344CB8AC3E}">
+        <p14:creationId xmlns:p14="http://schemas.microsoft.com/office/powerpoint/2010/main" val="1894512291"/>
+      </p:ext>
+    </p:extLst>
+  </p:cSld>
+  <p:clrMapOvr>
+    <a:masterClrMapping/>
+  </p:clrMapOvr>
+</p:sld>
+</file>
+
+<file path=ppt/slides/slide5.xml><?xml version="1.0" encoding="utf-8"?>
+<p:sld xmlns:a="http://schemas.openxmlformats.org/drawingml/2006/main" xmlns:r="http://schemas.openxmlformats.org/officeDocument/2006/relationships" xmlns:p="http://schemas.openxmlformats.org/presentationml/2006/main">
+  <p:cSld>
+    <p:spTree>
+      <p:nvGrpSpPr>
+        <p:cNvPr id="1" name=""/>
+        <p:cNvGrpSpPr/>
+        <p:nvPr/>
+      </p:nvGrpSpPr>
+      <p:grpSpPr>
+        <a:xfrm>
+          <a:off x="0" y="0"/>
+          <a:ext cx="0" cy="0"/>
+          <a:chOff x="0" y="0"/>
+          <a:chExt cx="0" cy="0"/>
+        </a:xfrm>
+      </p:grpSpPr>
+      <p:sp>
+        <p:nvSpPr>
+          <p:cNvPr id="2" name="Title 1">
+            <a:extLst>
+              <a:ext uri="{FF2B5EF4-FFF2-40B4-BE49-F238E27FC236}">
+                <a16:creationId xmlns:a16="http://schemas.microsoft.com/office/drawing/2014/main" id="{A21FEA1E-081C-91B1-4CB4-1D4BE28AA08D}"/>
+              </a:ext>
+            </a:extLst>
+          </p:cNvPr>
+          <p:cNvSpPr>
+            <a:spLocks noGrp="1"/>
+          </p:cNvSpPr>
+          <p:nvPr>
+            <p:ph type="title"/>
+          </p:nvPr>
+        </p:nvSpPr>
+        <p:spPr/>
+        <p:txBody>
+          <a:bodyPr/>
+          <a:lstStyle/>
+          <a:p>
+            <a:r>
+              <a:rPr lang="en-US" dirty="0"/>
+              <a:t>Message Pipeline</a:t>
+            </a:r>
+          </a:p>
+        </p:txBody>
+      </p:sp>
+      <p:sp>
+        <p:nvSpPr>
+          <p:cNvPr id="3" name="Content Placeholder 2">
+            <a:extLst>
+              <a:ext uri="{FF2B5EF4-FFF2-40B4-BE49-F238E27FC236}">
+                <a16:creationId xmlns:a16="http://schemas.microsoft.com/office/drawing/2014/main" id="{0291BC61-3E60-60F9-D8C6-1B4C67AE06D0}"/>
+              </a:ext>
+            </a:extLst>
+          </p:cNvPr>
+          <p:cNvSpPr>
+            <a:spLocks noGrp="1"/>
+          </p:cNvSpPr>
+          <p:nvPr>
+            <p:ph idx="1"/>
+          </p:nvPr>
+        </p:nvSpPr>
+        <p:spPr/>
+        <p:txBody>
+          <a:bodyPr/>
+          <a:lstStyle/>
+          <a:p>
+            <a:pPr>
+              <a:buFont typeface="Arial" panose="020B0604020202020204" pitchFamily="34" charset="0"/>
+              <a:buChar char="•"/>
+            </a:pPr>
+            <a:r>
+              <a:rPr lang="en-US" dirty="0"/>
+              <a:t> Application layer processing stages before packets are sent</a:t>
+            </a:r>
+          </a:p>
+          <a:p>
+            <a:pPr lvl="1">
+              <a:buFont typeface="Arial" panose="020B0604020202020204" pitchFamily="34" charset="0"/>
+              <a:buChar char="•"/>
+            </a:pPr>
+            <a:r>
+              <a:rPr lang="en-US" dirty="0"/>
+              <a:t>Fragmentation Stage</a:t>
+            </a:r>
+          </a:p>
+          <a:p>
+            <a:pPr lvl="1">
+              <a:buFont typeface="Arial" panose="020B0604020202020204" pitchFamily="34" charset="0"/>
+              <a:buChar char="•"/>
+            </a:pPr>
+            <a:r>
+              <a:rPr lang="en-US" dirty="0"/>
+              <a:t>Reliability Stage</a:t>
+            </a:r>
+          </a:p>
+          <a:p>
+            <a:pPr lvl="1">
+              <a:buFont typeface="Arial" panose="020B0604020202020204" pitchFamily="34" charset="0"/>
+              <a:buChar char="•"/>
+            </a:pPr>
+            <a:r>
+              <a:rPr lang="en-US" dirty="0"/>
+              <a:t>Simulation Stage</a:t>
+            </a:r>
+          </a:p>
+          <a:p>
+            <a:pPr>
+              <a:buFont typeface="Arial" panose="020B0604020202020204" pitchFamily="34" charset="0"/>
+              <a:buChar char="•"/>
+            </a:pPr>
+            <a:r>
+              <a:rPr lang="en-US" dirty="0"/>
+              <a:t> Pipeline can be changed for different types of messages</a:t>
+            </a:r>
+          </a:p>
+          <a:p>
+            <a:pPr>
+              <a:buFont typeface="Arial" panose="020B0604020202020204" pitchFamily="34" charset="0"/>
+              <a:buChar char="•"/>
+            </a:pPr>
+            <a:endParaRPr lang="en-US" dirty="0"/>
+          </a:p>
+          <a:p>
+            <a:pPr>
+              <a:buFont typeface="Arial" panose="020B0604020202020204" pitchFamily="34" charset="0"/>
+              <a:buChar char="•"/>
+            </a:pPr>
+            <a:endParaRPr lang="en-US" dirty="0"/>
+          </a:p>
+        </p:txBody>
+      </p:sp>
+      <p:pic>
+        <p:nvPicPr>
+          <p:cNvPr id="1026" name="Picture 2" descr="Chain of pipeline stages">
+            <a:extLst>
+              <a:ext uri="{FF2B5EF4-FFF2-40B4-BE49-F238E27FC236}">
+                <a16:creationId xmlns:a16="http://schemas.microsoft.com/office/drawing/2014/main" id="{B915251F-0230-389E-E2EB-EC1AF4915A61}"/>
+              </a:ext>
+            </a:extLst>
+          </p:cNvPr>
+          <p:cNvPicPr>
+            <a:picLocks noChangeAspect="1" noChangeArrowheads="1"/>
+          </p:cNvPicPr>
+          <p:nvPr/>
+        </p:nvPicPr>
+        <p:blipFill>
+          <a:blip r:embed="rId2">
+            <a:extLst>
+              <a:ext uri="{28A0092B-C50C-407E-A947-70E740481C1C}">
+                <a14:useLocalDpi xmlns:a14="http://schemas.microsoft.com/office/drawing/2010/main" val="0"/>
+              </a:ext>
+            </a:extLst>
+          </a:blip>
+          <a:srcRect/>
+          <a:stretch>
+            <a:fillRect/>
+          </a:stretch>
+        </p:blipFill>
+        <p:spPr bwMode="auto">
+          <a:xfrm>
+            <a:off x="6974205" y="2215093"/>
+            <a:ext cx="4286250" cy="3876675"/>
+          </a:xfrm>
+          <a:prstGeom prst="rect">
+            <a:avLst/>
+          </a:prstGeom>
+          <a:noFill/>
+          <a:extLst>
+            <a:ext uri="{909E8E84-426E-40DD-AFC4-6F175D3DCCD1}">
+              <a14:hiddenFill xmlns:a14="http://schemas.microsoft.com/office/drawing/2010/main">
+                <a:solidFill>
+                  <a:srgbClr val="FFFFFF"/>
+                </a:solidFill>
+              </a14:hiddenFill>
+            </a:ext>
+          </a:extLst>
+        </p:spPr>
+      </p:pic>
+    </p:spTree>
+    <p:extLst>
+      <p:ext uri="{BB962C8B-B14F-4D97-AF65-F5344CB8AC3E}">
+        <p14:creationId xmlns:p14="http://schemas.microsoft.com/office/powerpoint/2010/main" val="3613021011"/>
+      </p:ext>
+    </p:extLst>
+  </p:cSld>
+  <p:clrMapOvr>
+    <a:masterClrMapping/>
+  </p:clrMapOvr>
+</p:sld>
+</file>
+
+<file path=ppt/slides/slide6.xml><?xml version="1.0" encoding="utf-8"?>
+<p:sld xmlns:a="http://schemas.openxmlformats.org/drawingml/2006/main" xmlns:r="http://schemas.openxmlformats.org/officeDocument/2006/relationships" xmlns:p="http://schemas.openxmlformats.org/presentationml/2006/main">
+  <p:cSld>
+    <p:spTree>
+      <p:nvGrpSpPr>
+        <p:cNvPr id="1" name=""/>
+        <p:cNvGrpSpPr/>
+        <p:nvPr/>
+      </p:nvGrpSpPr>
+      <p:grpSpPr>
+        <a:xfrm>
+          <a:off x="0" y="0"/>
+          <a:ext cx="0" cy="0"/>
+          <a:chOff x="0" y="0"/>
+          <a:chExt cx="0" cy="0"/>
+        </a:xfrm>
+      </p:grpSpPr>
+      <p:sp>
+        <p:nvSpPr>
+          <p:cNvPr id="2" name="Title 1">
+            <a:extLst>
+              <a:ext uri="{FF2B5EF4-FFF2-40B4-BE49-F238E27FC236}">
+                <a16:creationId xmlns:a16="http://schemas.microsoft.com/office/drawing/2014/main" id="{A21FEA1E-081C-91B1-4CB4-1D4BE28AA08D}"/>
+              </a:ext>
+            </a:extLst>
+          </p:cNvPr>
+          <p:cNvSpPr>
+            <a:spLocks noGrp="1"/>
+          </p:cNvSpPr>
+          <p:nvPr>
+            <p:ph type="title"/>
+          </p:nvPr>
+        </p:nvSpPr>
+        <p:spPr/>
+        <p:txBody>
+          <a:bodyPr/>
+          <a:lstStyle/>
+          <a:p>
+            <a:r>
+              <a:rPr lang="en-US" dirty="0"/>
+              <a:t>Fragmentation Stage</a:t>
+            </a:r>
+          </a:p>
+        </p:txBody>
+      </p:sp>
+      <p:sp>
+        <p:nvSpPr>
+          <p:cNvPr id="3" name="Content Placeholder 2">
+            <a:extLst>
+              <a:ext uri="{FF2B5EF4-FFF2-40B4-BE49-F238E27FC236}">
+                <a16:creationId xmlns:a16="http://schemas.microsoft.com/office/drawing/2014/main" id="{0291BC61-3E60-60F9-D8C6-1B4C67AE06D0}"/>
+              </a:ext>
+            </a:extLst>
+          </p:cNvPr>
+          <p:cNvSpPr>
+            <a:spLocks noGrp="1"/>
+          </p:cNvSpPr>
+          <p:nvPr>
+            <p:ph idx="1"/>
+          </p:nvPr>
+        </p:nvSpPr>
+        <p:spPr/>
+        <p:txBody>
+          <a:bodyPr/>
+          <a:lstStyle/>
+          <a:p>
+            <a:pPr>
+              <a:buFont typeface="Arial" panose="020B0604020202020204" pitchFamily="34" charset="0"/>
+              <a:buChar char="•"/>
+            </a:pPr>
+            <a:r>
+              <a:rPr lang="en-US" dirty="0"/>
+              <a:t> Used to break up large packets into smaller packets</a:t>
+            </a:r>
+          </a:p>
+          <a:p>
+            <a:pPr lvl="1">
+              <a:buFont typeface="Arial" panose="020B0604020202020204" pitchFamily="34" charset="0"/>
+              <a:buChar char="•"/>
+            </a:pPr>
+            <a:r>
+              <a:rPr lang="en-US" dirty="0"/>
+              <a:t>The maximum without fragmentation is ~1400 bytes</a:t>
+            </a:r>
+          </a:p>
+          <a:p>
+            <a:pPr lvl="1">
+              <a:buFont typeface="Arial" panose="020B0604020202020204" pitchFamily="34" charset="0"/>
+              <a:buChar char="•"/>
+            </a:pPr>
+            <a:r>
+              <a:rPr lang="en-US" dirty="0"/>
+              <a:t>With fragmentation the maximum is ~20MB, optimized for 4096 bytes</a:t>
+            </a:r>
+          </a:p>
+          <a:p>
+            <a:pPr>
+              <a:buFont typeface="Arial" panose="020B0604020202020204" pitchFamily="34" charset="0"/>
+              <a:buChar char="•"/>
+            </a:pPr>
+            <a:r>
+              <a:rPr lang="en-US" dirty="0"/>
+              <a:t>Does not enforce the order </a:t>
+            </a:r>
+          </a:p>
+        </p:txBody>
+      </p:sp>
+      <p:pic>
+        <p:nvPicPr>
+          <p:cNvPr id="6" name="Picture 5">
+            <a:extLst>
+              <a:ext uri="{FF2B5EF4-FFF2-40B4-BE49-F238E27FC236}">
+                <a16:creationId xmlns:a16="http://schemas.microsoft.com/office/drawing/2014/main" id="{BE02A7C1-40A8-B1E1-BBE8-238463A7F5B3}"/>
+              </a:ext>
+            </a:extLst>
+          </p:cNvPr>
+          <p:cNvPicPr>
+            <a:picLocks noChangeAspect="1"/>
+          </p:cNvPicPr>
+          <p:nvPr/>
+        </p:nvPicPr>
+        <p:blipFill>
+          <a:blip r:embed="rId2"/>
+          <a:stretch>
+            <a:fillRect/>
+          </a:stretch>
+        </p:blipFill>
+        <p:spPr>
+          <a:xfrm>
+            <a:off x="3611130" y="3906670"/>
+            <a:ext cx="7992590" cy="1962424"/>
+          </a:xfrm>
+          <a:prstGeom prst="rect">
+            <a:avLst/>
+          </a:prstGeom>
+        </p:spPr>
+      </p:pic>
+    </p:spTree>
+    <p:extLst>
+      <p:ext uri="{BB962C8B-B14F-4D97-AF65-F5344CB8AC3E}">
+        <p14:creationId xmlns:p14="http://schemas.microsoft.com/office/powerpoint/2010/main" val="2356209412"/>
+      </p:ext>
+    </p:extLst>
+  </p:cSld>
+  <p:clrMapOvr>
+    <a:masterClrMapping/>
+  </p:clrMapOvr>
+</p:sld>
+</file>
+
+<file path=ppt/slides/slide7.xml><?xml version="1.0" encoding="utf-8"?>
+<p:sld xmlns:a="http://schemas.openxmlformats.org/drawingml/2006/main" xmlns:r="http://schemas.openxmlformats.org/officeDocument/2006/relationships" xmlns:p="http://schemas.openxmlformats.org/presentationml/2006/main">
+  <p:cSld>
+    <p:spTree>
+      <p:nvGrpSpPr>
+        <p:cNvPr id="1" name=""/>
+        <p:cNvGrpSpPr/>
+        <p:nvPr/>
+      </p:nvGrpSpPr>
+      <p:grpSpPr>
+        <a:xfrm>
+          <a:off x="0" y="0"/>
+          <a:ext cx="0" cy="0"/>
+          <a:chOff x="0" y="0"/>
+          <a:chExt cx="0" cy="0"/>
+        </a:xfrm>
+      </p:grpSpPr>
+      <p:sp>
+        <p:nvSpPr>
+          <p:cNvPr id="2" name="Title 1">
+            <a:extLst>
+              <a:ext uri="{FF2B5EF4-FFF2-40B4-BE49-F238E27FC236}">
+                <a16:creationId xmlns:a16="http://schemas.microsoft.com/office/drawing/2014/main" id="{A21FEA1E-081C-91B1-4CB4-1D4BE28AA08D}"/>
+              </a:ext>
+            </a:extLst>
+          </p:cNvPr>
+          <p:cNvSpPr>
+            <a:spLocks noGrp="1"/>
+          </p:cNvSpPr>
+          <p:nvPr>
+            <p:ph type="title"/>
+          </p:nvPr>
+        </p:nvSpPr>
+        <p:spPr/>
+        <p:txBody>
+          <a:bodyPr/>
+          <a:lstStyle/>
+          <a:p>
+            <a:r>
+              <a:rPr lang="en-US" dirty="0"/>
+              <a:t>Reliable Stage</a:t>
+            </a:r>
+          </a:p>
+        </p:txBody>
+      </p:sp>
+      <p:sp>
+        <p:nvSpPr>
+          <p:cNvPr id="3" name="Content Placeholder 2">
+            <a:extLst>
+              <a:ext uri="{FF2B5EF4-FFF2-40B4-BE49-F238E27FC236}">
+                <a16:creationId xmlns:a16="http://schemas.microsoft.com/office/drawing/2014/main" id="{0291BC61-3E60-60F9-D8C6-1B4C67AE06D0}"/>
+              </a:ext>
+            </a:extLst>
+          </p:cNvPr>
+          <p:cNvSpPr>
+            <a:spLocks noGrp="1"/>
+          </p:cNvSpPr>
+          <p:nvPr>
+            <p:ph idx="1"/>
+          </p:nvPr>
+        </p:nvSpPr>
+        <p:spPr/>
+        <p:txBody>
+          <a:bodyPr/>
+          <a:lstStyle/>
+          <a:p>
+            <a:pPr>
+              <a:buFont typeface="Arial" panose="020B0604020202020204" pitchFamily="34" charset="0"/>
+              <a:buChar char="•"/>
+            </a:pPr>
+            <a:r>
+              <a:rPr lang="en-US" dirty="0"/>
+              <a:t> Buffers packets in sent order until all arrive</a:t>
+            </a:r>
+          </a:p>
+          <a:p>
+            <a:pPr lvl="1">
+              <a:buFont typeface="Arial" panose="020B0604020202020204" pitchFamily="34" charset="0"/>
+              <a:buChar char="•"/>
+            </a:pPr>
+            <a:r>
+              <a:rPr lang="en-US" dirty="0"/>
+              <a:t>Packets not received will be resent</a:t>
+            </a:r>
+          </a:p>
+        </p:txBody>
+      </p:sp>
+      <p:pic>
+        <p:nvPicPr>
+          <p:cNvPr id="2050" name="Picture 2" descr="Fragmented and reliable pipeline">
+            <a:extLst>
+              <a:ext uri="{FF2B5EF4-FFF2-40B4-BE49-F238E27FC236}">
+                <a16:creationId xmlns:a16="http://schemas.microsoft.com/office/drawing/2014/main" id="{8A4F2AAF-40D5-02E6-81C9-7AE1A27F0527}"/>
+              </a:ext>
+            </a:extLst>
+          </p:cNvPr>
+          <p:cNvPicPr>
+            <a:picLocks noChangeAspect="1" noChangeArrowheads="1"/>
+          </p:cNvPicPr>
+          <p:nvPr/>
+        </p:nvPicPr>
+        <p:blipFill rotWithShape="1">
+          <a:blip r:embed="rId2">
+            <a:extLst>
+              <a:ext uri="{28A0092B-C50C-407E-A947-70E740481C1C}">
+                <a14:useLocalDpi xmlns:a14="http://schemas.microsoft.com/office/drawing/2010/main" val="0"/>
+              </a:ext>
+            </a:extLst>
+          </a:blip>
+          <a:srcRect l="3852"/>
+          <a:stretch/>
+        </p:blipFill>
+        <p:spPr bwMode="auto">
+          <a:xfrm>
+            <a:off x="4695825" y="2486200"/>
+            <a:ext cx="6896100" cy="3738388"/>
+          </a:xfrm>
+          <a:prstGeom prst="rect">
+            <a:avLst/>
+          </a:prstGeom>
+          <a:noFill/>
+          <a:extLst>
+            <a:ext uri="{909E8E84-426E-40DD-AFC4-6F175D3DCCD1}">
+              <a14:hiddenFill xmlns:a14="http://schemas.microsoft.com/office/drawing/2010/main">
+                <a:solidFill>
+                  <a:srgbClr val="FFFFFF"/>
+                </a:solidFill>
+              </a14:hiddenFill>
+            </a:ext>
+          </a:extLst>
+        </p:spPr>
+      </p:pic>
+    </p:spTree>
+    <p:extLst>
+      <p:ext uri="{BB962C8B-B14F-4D97-AF65-F5344CB8AC3E}">
+        <p14:creationId xmlns:p14="http://schemas.microsoft.com/office/powerpoint/2010/main" val="941631221"/>
+      </p:ext>
+    </p:extLst>
+  </p:cSld>
+  <p:clrMapOvr>
+    <a:masterClrMapping/>
+  </p:clrMapOvr>
+</p:sld>
+</file>
+
+<file path=ppt/slides/slide8.xml><?xml version="1.0" encoding="utf-8"?>
+<p:sld xmlns:a="http://schemas.openxmlformats.org/drawingml/2006/main" xmlns:r="http://schemas.openxmlformats.org/officeDocument/2006/relationships" xmlns:p="http://schemas.openxmlformats.org/presentationml/2006/main">
+  <p:cSld>
+    <p:spTree>
+      <p:nvGrpSpPr>
+        <p:cNvPr id="1" name=""/>
+        <p:cNvGrpSpPr/>
+        <p:nvPr/>
+      </p:nvGrpSpPr>
+      <p:grpSpPr>
+        <a:xfrm>
+          <a:off x="0" y="0"/>
+          <a:ext cx="0" cy="0"/>
+          <a:chOff x="0" y="0"/>
+          <a:chExt cx="0" cy="0"/>
+        </a:xfrm>
+      </p:grpSpPr>
+      <p:sp>
+        <p:nvSpPr>
+          <p:cNvPr id="2" name="Title 1">
+            <a:extLst>
+              <a:ext uri="{FF2B5EF4-FFF2-40B4-BE49-F238E27FC236}">
+                <a16:creationId xmlns:a16="http://schemas.microsoft.com/office/drawing/2014/main" id="{A21FEA1E-081C-91B1-4CB4-1D4BE28AA08D}"/>
+              </a:ext>
+            </a:extLst>
+          </p:cNvPr>
+          <p:cNvSpPr>
+            <a:spLocks noGrp="1"/>
+          </p:cNvSpPr>
+          <p:nvPr>
+            <p:ph type="title"/>
+          </p:nvPr>
+        </p:nvSpPr>
+        <p:spPr/>
+        <p:txBody>
+          <a:bodyPr/>
+          <a:lstStyle/>
+          <a:p>
+            <a:r>
+              <a:rPr lang="en-US" dirty="0"/>
+              <a:t>Simulation Stage</a:t>
+            </a:r>
+          </a:p>
+        </p:txBody>
+      </p:sp>
+      <p:sp>
+        <p:nvSpPr>
+          <p:cNvPr id="3" name="Content Placeholder 2">
+            <a:extLst>
+              <a:ext uri="{FF2B5EF4-FFF2-40B4-BE49-F238E27FC236}">
+                <a16:creationId xmlns:a16="http://schemas.microsoft.com/office/drawing/2014/main" id="{0291BC61-3E60-60F9-D8C6-1B4C67AE06D0}"/>
+              </a:ext>
+            </a:extLst>
+          </p:cNvPr>
+          <p:cNvSpPr>
+            <a:spLocks noGrp="1"/>
+          </p:cNvSpPr>
+          <p:nvPr>
+            <p:ph idx="1"/>
+          </p:nvPr>
+        </p:nvSpPr>
+        <p:spPr/>
+        <p:txBody>
+          <a:bodyPr/>
+          <a:lstStyle/>
+          <a:p>
+            <a:pPr>
+              <a:buFont typeface="Arial" panose="020B0604020202020204" pitchFamily="34" charset="0"/>
+              <a:buChar char="•"/>
+            </a:pPr>
+            <a:r>
+              <a:rPr lang="en-US" dirty="0"/>
+              <a:t> Used to simulate various network conditions</a:t>
+            </a:r>
+          </a:p>
+          <a:p>
+            <a:pPr lvl="1">
+              <a:buFont typeface="Arial" panose="020B0604020202020204" pitchFamily="34" charset="0"/>
+              <a:buChar char="•"/>
+            </a:pPr>
+            <a:r>
+              <a:rPr lang="en-US" dirty="0"/>
+              <a:t>Varying packet delay</a:t>
+            </a:r>
+          </a:p>
+          <a:p>
+            <a:pPr lvl="1">
+              <a:buFont typeface="Arial" panose="020B0604020202020204" pitchFamily="34" charset="0"/>
+              <a:buChar char="•"/>
+            </a:pPr>
+            <a:r>
+              <a:rPr lang="en-US" dirty="0"/>
+              <a:t>Dropped packets</a:t>
+            </a:r>
+          </a:p>
+        </p:txBody>
+      </p:sp>
+      <p:pic>
+        <p:nvPicPr>
+          <p:cNvPr id="5" name="Picture 4">
+            <a:extLst>
+              <a:ext uri="{FF2B5EF4-FFF2-40B4-BE49-F238E27FC236}">
+                <a16:creationId xmlns:a16="http://schemas.microsoft.com/office/drawing/2014/main" id="{71DB8AB7-E2AC-D779-3DD7-9E89C9042D15}"/>
+              </a:ext>
+            </a:extLst>
+          </p:cNvPr>
+          <p:cNvPicPr>
+            <a:picLocks noChangeAspect="1"/>
+          </p:cNvPicPr>
+          <p:nvPr/>
+        </p:nvPicPr>
+        <p:blipFill>
+          <a:blip r:embed="rId2"/>
+          <a:stretch>
+            <a:fillRect/>
+          </a:stretch>
+        </p:blipFill>
+        <p:spPr>
+          <a:xfrm>
+            <a:off x="7727769" y="988906"/>
+            <a:ext cx="3967026" cy="5123609"/>
+          </a:xfrm>
+          <a:prstGeom prst="rect">
+            <a:avLst/>
+          </a:prstGeom>
+        </p:spPr>
+      </p:pic>
+    </p:spTree>
+    <p:extLst>
+      <p:ext uri="{BB962C8B-B14F-4D97-AF65-F5344CB8AC3E}">
+        <p14:creationId xmlns:p14="http://schemas.microsoft.com/office/powerpoint/2010/main" val="2057152088"/>
+      </p:ext>
+    </p:extLst>
+  </p:cSld>
+  <p:clrMapOvr>
+    <a:masterClrMapping/>
+  </p:clrMapOvr>
+</p:sld>
+</file>
+
+<file path=ppt/slides/slide9.xml><?xml version="1.0" encoding="utf-8"?>
+<p:sld xmlns:a="http://schemas.openxmlformats.org/drawingml/2006/main" xmlns:r="http://schemas.openxmlformats.org/officeDocument/2006/relationships" xmlns:p="http://schemas.openxmlformats.org/presentationml/2006/main">
+  <p:cSld>
+    <p:spTree>
+      <p:nvGrpSpPr>
+        <p:cNvPr id="1" name=""/>
+        <p:cNvGrpSpPr/>
+        <p:nvPr/>
+      </p:nvGrpSpPr>
+      <p:grpSpPr>
+        <a:xfrm>
+          <a:off x="0" y="0"/>
+          <a:ext cx="0" cy="0"/>
+          <a:chOff x="0" y="0"/>
+          <a:chExt cx="0" cy="0"/>
+        </a:xfrm>
+      </p:grpSpPr>
+      <p:sp>
+        <p:nvSpPr>
+          <p:cNvPr id="2" name="Title 1">
+            <a:extLst>
+              <a:ext uri="{FF2B5EF4-FFF2-40B4-BE49-F238E27FC236}">
+                <a16:creationId xmlns:a16="http://schemas.microsoft.com/office/drawing/2014/main" id="{A21FEA1E-081C-91B1-4CB4-1D4BE28AA08D}"/>
+              </a:ext>
+            </a:extLst>
+          </p:cNvPr>
+          <p:cNvSpPr>
+            <a:spLocks noGrp="1"/>
+          </p:cNvSpPr>
+          <p:nvPr>
+            <p:ph type="title"/>
+          </p:nvPr>
+        </p:nvSpPr>
+        <p:spPr/>
+        <p:txBody>
+          <a:bodyPr/>
+          <a:lstStyle/>
+          <a:p>
+            <a:r>
+              <a:rPr lang="en-US" dirty="0"/>
+              <a:t>NGO (</a:t>
+            </a:r>
+            <a:r>
+              <a:rPr lang="en-US" dirty="0" err="1"/>
+              <a:t>Netcode</a:t>
+            </a:r>
+            <a:r>
+              <a:rPr lang="en-US" dirty="0"/>
+              <a:t> for </a:t>
+            </a:r>
+            <a:r>
+              <a:rPr lang="en-US" dirty="0" err="1"/>
+              <a:t>GameObjects</a:t>
+            </a:r>
+            <a:r>
+              <a:rPr lang="en-US" dirty="0"/>
+              <a:t>)</a:t>
+            </a:r>
+          </a:p>
+        </p:txBody>
+      </p:sp>
+      <p:sp>
+        <p:nvSpPr>
+          <p:cNvPr id="3" name="Content Placeholder 2">
+            <a:extLst>
+              <a:ext uri="{FF2B5EF4-FFF2-40B4-BE49-F238E27FC236}">
+                <a16:creationId xmlns:a16="http://schemas.microsoft.com/office/drawing/2014/main" id="{0291BC61-3E60-60F9-D8C6-1B4C67AE06D0}"/>
+              </a:ext>
+            </a:extLst>
+          </p:cNvPr>
+          <p:cNvSpPr>
+            <a:spLocks noGrp="1"/>
+          </p:cNvSpPr>
+          <p:nvPr>
+            <p:ph idx="1"/>
+          </p:nvPr>
+        </p:nvSpPr>
+        <p:spPr/>
+        <p:txBody>
+          <a:bodyPr/>
+          <a:lstStyle/>
+          <a:p>
+            <a:pPr>
+              <a:buFont typeface="Arial" panose="020B0604020202020204" pitchFamily="34" charset="0"/>
+              <a:buChar char="•"/>
+            </a:pPr>
+            <a:r>
+              <a:rPr lang="en-US" dirty="0"/>
+              <a:t> A high-level API for client-server game architecture built on UTP</a:t>
+            </a:r>
+          </a:p>
+          <a:p>
+            <a:pPr>
+              <a:buFont typeface="Arial" panose="020B0604020202020204" pitchFamily="34" charset="0"/>
+              <a:buChar char="•"/>
+            </a:pPr>
+            <a:r>
+              <a:rPr lang="en-US" dirty="0"/>
+              <a:t> Useful features:</a:t>
+            </a:r>
+          </a:p>
+          <a:p>
+            <a:pPr lvl="1">
+              <a:buFont typeface="Arial" panose="020B0604020202020204" pitchFamily="34" charset="0"/>
+              <a:buChar char="•"/>
+            </a:pPr>
+            <a:r>
+              <a:rPr lang="en-US" dirty="0"/>
+              <a:t>Remote Procedure Calls (RPCs)</a:t>
+            </a:r>
+          </a:p>
+          <a:p>
+            <a:pPr lvl="1">
+              <a:buFont typeface="Arial" panose="020B0604020202020204" pitchFamily="34" charset="0"/>
+              <a:buChar char="•"/>
+            </a:pPr>
+            <a:r>
+              <a:rPr lang="en-US" dirty="0"/>
+              <a:t>Object ownership</a:t>
+            </a:r>
+          </a:p>
+          <a:p>
+            <a:pPr lvl="1">
+              <a:buFont typeface="Arial" panose="020B0604020202020204" pitchFamily="34" charset="0"/>
+              <a:buChar char="•"/>
+            </a:pPr>
+            <a:r>
+              <a:rPr lang="en-US" dirty="0"/>
+              <a:t>Scene management</a:t>
+            </a:r>
+          </a:p>
+          <a:p>
+            <a:pPr lvl="1">
+              <a:buFont typeface="Arial" panose="020B0604020202020204" pitchFamily="34" charset="0"/>
+              <a:buChar char="•"/>
+            </a:pPr>
+            <a:r>
+              <a:rPr lang="en-US" dirty="0"/>
+              <a:t>Client replication:</a:t>
+            </a:r>
+          </a:p>
+          <a:p>
+            <a:pPr lvl="2">
+              <a:buFont typeface="Arial" panose="020B0604020202020204" pitchFamily="34" charset="0"/>
+              <a:buChar char="•"/>
+            </a:pPr>
+            <a:r>
+              <a:rPr lang="en-US" sz="1800" dirty="0"/>
+              <a:t>Synced network variables</a:t>
+            </a:r>
+          </a:p>
+          <a:p>
+            <a:pPr lvl="2">
+              <a:buFont typeface="Arial" panose="020B0604020202020204" pitchFamily="34" charset="0"/>
+              <a:buChar char="•"/>
+            </a:pPr>
+            <a:r>
+              <a:rPr lang="en-US" sz="1800" dirty="0"/>
+              <a:t>Synced Components:</a:t>
+            </a:r>
+          </a:p>
+          <a:p>
+            <a:pPr lvl="3">
+              <a:buFont typeface="Arial" panose="020B0604020202020204" pitchFamily="34" charset="0"/>
+              <a:buChar char="•"/>
+            </a:pPr>
+            <a:r>
+              <a:rPr lang="en-US" sz="1800" dirty="0" err="1"/>
+              <a:t>NetworkTransform</a:t>
+            </a:r>
+            <a:endParaRPr lang="en-US" sz="1800" dirty="0"/>
+          </a:p>
+          <a:p>
+            <a:pPr lvl="3">
+              <a:buFont typeface="Arial" panose="020B0604020202020204" pitchFamily="34" charset="0"/>
+              <a:buChar char="•"/>
+            </a:pPr>
+            <a:r>
+              <a:rPr lang="en-US" sz="1800" dirty="0" err="1"/>
+              <a:t>NetworkRigidbody</a:t>
+            </a:r>
+            <a:endParaRPr lang="en-US" sz="1800" dirty="0"/>
+          </a:p>
+          <a:p>
+            <a:pPr lvl="3">
+              <a:buFont typeface="Arial" panose="020B0604020202020204" pitchFamily="34" charset="0"/>
+              <a:buChar char="•"/>
+            </a:pPr>
+            <a:r>
+              <a:rPr lang="en-US" sz="1800" dirty="0" err="1"/>
+              <a:t>NetworkAnimator</a:t>
+            </a:r>
+            <a:endParaRPr lang="en-US" sz="1800" dirty="0"/>
+          </a:p>
+          <a:p>
+            <a:pPr>
+              <a:buFont typeface="Arial" panose="020B0604020202020204" pitchFamily="34" charset="0"/>
+              <a:buChar char="•"/>
+            </a:pPr>
+            <a:endParaRPr lang="en-US" dirty="0"/>
+          </a:p>
+        </p:txBody>
+      </p:sp>
+      <p:pic>
+        <p:nvPicPr>
+          <p:cNvPr id="5" name="Picture 4">
+            <a:extLst>
+              <a:ext uri="{FF2B5EF4-FFF2-40B4-BE49-F238E27FC236}">
+                <a16:creationId xmlns:a16="http://schemas.microsoft.com/office/drawing/2014/main" id="{BF83343C-E08A-2238-0848-322A4BA8EB69}"/>
+              </a:ext>
+            </a:extLst>
+          </p:cNvPr>
+          <p:cNvPicPr>
+            <a:picLocks noChangeAspect="1"/>
+          </p:cNvPicPr>
+          <p:nvPr/>
+        </p:nvPicPr>
+        <p:blipFill>
+          <a:blip r:embed="rId2"/>
+          <a:stretch>
+            <a:fillRect/>
+          </a:stretch>
+        </p:blipFill>
+        <p:spPr>
+          <a:xfrm>
+            <a:off x="6659621" y="2405663"/>
+            <a:ext cx="5372850" cy="3801005"/>
+          </a:xfrm>
+          <a:prstGeom prst="rect">
+            <a:avLst/>
+          </a:prstGeom>
+        </p:spPr>
+      </p:pic>
+    </p:spTree>
+    <p:extLst>
+      <p:ext uri="{BB962C8B-B14F-4D97-AF65-F5344CB8AC3E}">
+        <p14:creationId xmlns:p14="http://schemas.microsoft.com/office/powerpoint/2010/main" val="620061355"/>
       </p:ext>
     </p:extLst>
   </p:cSld>
